--- a/angularjs/slides/07_Routing.pptx
+++ b/angularjs/slides/07_Routing.pptx
@@ -14,14 +14,14 @@
     <p:sldId id="327" r:id="rId2"/>
     <p:sldId id="349" r:id="rId3"/>
     <p:sldId id="346" r:id="rId4"/>
-    <p:sldId id="350" r:id="rId5"/>
-    <p:sldId id="347" r:id="rId6"/>
-    <p:sldId id="348" r:id="rId7"/>
-    <p:sldId id="351" r:id="rId8"/>
-    <p:sldId id="353" r:id="rId9"/>
-    <p:sldId id="352" r:id="rId10"/>
+    <p:sldId id="356" r:id="rId5"/>
+    <p:sldId id="357" r:id="rId6"/>
+    <p:sldId id="358" r:id="rId7"/>
+    <p:sldId id="350" r:id="rId8"/>
+    <p:sldId id="347" r:id="rId9"/>
+    <p:sldId id="348" r:id="rId10"/>
     <p:sldId id="354" r:id="rId11"/>
-    <p:sldId id="355" r:id="rId12"/>
+    <p:sldId id="359" r:id="rId12"/>
     <p:sldId id="345" r:id="rId13"/>
   </p:sldIdLst>
   <p:sldSz cx="9144000" cy="6858000" type="screen4x3"/>
@@ -275,7 +275,7 @@
               <a:pPr>
                 <a:defRPr/>
               </a:pPr>
-              <a:t>11/24/2013</a:t>
+              <a:t>12/1/2013</a:t>
             </a:fld>
             <a:endParaRPr lang="en-US"/>
           </a:p>
@@ -2588,10 +2588,67 @@
           <a:bodyPr/>
           <a:lstStyle/>
           <a:p>
-            <a:endParaRPr lang="en-US"/>
+            <a:r>
+              <a:rPr lang="en-US" dirty="0" smtClean="0"/>
+              <a:t>Controllers and $scope are recreated on each navigation</a:t>
+            </a:r>
+          </a:p>
+          <a:p>
+            <a:pPr lvl="1"/>
+            <a:r>
+              <a:rPr lang="en-US" dirty="0" smtClean="0"/>
+              <a:t>But, services are forever</a:t>
+            </a:r>
+            <a:endParaRPr lang="en-US" dirty="0"/>
           </a:p>
         </p:txBody>
       </p:sp>
+      <p:pic>
+        <p:nvPicPr>
+          <p:cNvPr id="4" name="Picture 3"/>
+          <p:cNvPicPr>
+            <a:picLocks noChangeAspect="1"/>
+          </p:cNvPicPr>
+          <p:nvPr/>
+        </p:nvPicPr>
+        <p:blipFill>
+          <a:blip r:embed="rId2">
+            <a:extLst>
+              <a:ext uri="{BEBA8EAE-BF5A-486C-A8C5-ECC9F3942E4B}">
+                <a14:imgProps xmlns:a14="http://schemas.microsoft.com/office/drawing/2010/main">
+                  <a14:imgLayer r:embed="rId3">
+                    <a14:imgEffect>
+                      <a14:colorTemperature colorTemp="11200"/>
+                    </a14:imgEffect>
+                  </a14:imgLayer>
+                </a14:imgProps>
+              </a:ext>
+            </a:extLst>
+          </a:blip>
+          <a:stretch>
+            <a:fillRect/>
+          </a:stretch>
+        </p:blipFill>
+        <p:spPr>
+          <a:xfrm>
+            <a:off x="1295400" y="2590800"/>
+            <a:ext cx="6353175" cy="3600450"/>
+          </a:xfrm>
+          <a:prstGeom prst="rect">
+            <a:avLst/>
+          </a:prstGeom>
+          <a:ln>
+            <a:noFill/>
+          </a:ln>
+          <a:effectLst>
+            <a:outerShdw blurRad="292100" dist="139700" dir="2700000" algn="tl" rotWithShape="0">
+              <a:srgbClr val="333333">
+                <a:alpha val="65000"/>
+              </a:srgbClr>
+            </a:outerShdw>
+          </a:effectLst>
+        </p:spPr>
+      </p:pic>
     </p:spTree>
     <p:extLst>
       <p:ext uri="{BB962C8B-B14F-4D97-AF65-F5344CB8AC3E}">
@@ -2641,8 +2698,16 @@
           <a:lstStyle/>
           <a:p>
             <a:r>
+              <a:rPr lang="en-US" dirty="0" err="1"/>
+              <a:t>u</a:t>
+            </a:r>
+            <a:r>
+              <a:rPr lang="en-US" dirty="0" err="1" smtClean="0"/>
+              <a:t>i</a:t>
+            </a:r>
+            <a:r>
               <a:rPr lang="en-US" dirty="0" smtClean="0"/>
-              <a:t>Routing and Service Lifetimes</a:t>
+              <a:t>-router</a:t>
             </a:r>
             <a:endParaRPr lang="en-US" dirty="0"/>
           </a:p>
@@ -2663,14 +2728,68 @@
           <a:bodyPr/>
           <a:lstStyle/>
           <a:p>
-            <a:endParaRPr lang="en-US"/>
+            <a:r>
+              <a:rPr lang="en-US" dirty="0" smtClean="0"/>
+              <a:t>More granular (in-view) routing</a:t>
+            </a:r>
+          </a:p>
+          <a:p>
+            <a:r>
+              <a:rPr lang="en-US" dirty="0" smtClean="0"/>
+              <a:t>State manager</a:t>
+            </a:r>
+          </a:p>
+          <a:p>
+            <a:r>
+              <a:rPr lang="en-US" dirty="0" err="1" smtClean="0"/>
+              <a:t>Ui</a:t>
+            </a:r>
+            <a:r>
+              <a:rPr lang="en-US" dirty="0" smtClean="0"/>
+              <a:t>-view directive</a:t>
+            </a:r>
+            <a:endParaRPr lang="en-US" dirty="0"/>
           </a:p>
         </p:txBody>
       </p:sp>
+      <p:pic>
+        <p:nvPicPr>
+          <p:cNvPr id="4" name="Picture 3"/>
+          <p:cNvPicPr>
+            <a:picLocks noChangeAspect="1"/>
+          </p:cNvPicPr>
+          <p:nvPr/>
+        </p:nvPicPr>
+        <p:blipFill>
+          <a:blip r:embed="rId2"/>
+          <a:stretch>
+            <a:fillRect/>
+          </a:stretch>
+        </p:blipFill>
+        <p:spPr>
+          <a:xfrm>
+            <a:off x="2514600" y="2971800"/>
+            <a:ext cx="3514725" cy="1009650"/>
+          </a:xfrm>
+          <a:prstGeom prst="rect">
+            <a:avLst/>
+          </a:prstGeom>
+          <a:ln>
+            <a:noFill/>
+          </a:ln>
+          <a:effectLst>
+            <a:outerShdw blurRad="292100" dist="139700" dir="2700000" algn="tl" rotWithShape="0">
+              <a:srgbClr val="333333">
+                <a:alpha val="65000"/>
+              </a:srgbClr>
+            </a:outerShdw>
+          </a:effectLst>
+        </p:spPr>
+      </p:pic>
     </p:spTree>
     <p:extLst>
       <p:ext uri="{BB962C8B-B14F-4D97-AF65-F5344CB8AC3E}">
-        <p14:creationId xmlns:p14="http://schemas.microsoft.com/office/powerpoint/2010/main" val="4253858971"/>
+        <p14:creationId xmlns:p14="http://schemas.microsoft.com/office/powerpoint/2010/main" val="565880667"/>
       </p:ext>
     </p:extLst>
   </p:cSld>
@@ -2737,6 +2856,18 @@
         <p:txBody>
           <a:bodyPr/>
           <a:lstStyle/>
+          <a:p>
+            <a:r>
+              <a:rPr lang="en-US" dirty="0" smtClean="0"/>
+              <a:t>Routing gives you the ability to decompose an application</a:t>
+            </a:r>
+          </a:p>
+          <a:p>
+            <a:r>
+              <a:rPr lang="en-US" dirty="0" smtClean="0"/>
+              <a:t>Maintain history, enables deep linking</a:t>
+            </a:r>
+          </a:p>
           <a:p>
             <a:endParaRPr lang="en-US" dirty="0"/>
           </a:p>
@@ -2854,10 +2985,102 @@
           <a:bodyPr/>
           <a:lstStyle/>
           <a:p>
-            <a:endParaRPr lang="en-US"/>
+            <a:r>
+              <a:rPr lang="en-US" dirty="0" smtClean="0"/>
+              <a:t>As applications grow in complexity, easier to use multiple templates</a:t>
+            </a:r>
+          </a:p>
+          <a:p>
+            <a:r>
+              <a:rPr lang="en-US" dirty="0" smtClean="0"/>
+              <a:t>Need to provide deep linking, bookmarks, history support</a:t>
+            </a:r>
+            <a:endParaRPr lang="en-US" dirty="0"/>
           </a:p>
         </p:txBody>
       </p:sp>
+      <p:pic>
+        <p:nvPicPr>
+          <p:cNvPr id="1026" name="Picture 2" descr="http://2.bp.blogspot.com/-WL8GetRAOog/ULT1dTj-4PI/AAAAAAABGCg/_oSuT6xY2Uo/s1600/foodme.png"/>
+          <p:cNvPicPr>
+            <a:picLocks noChangeAspect="1" noChangeArrowheads="1"/>
+          </p:cNvPicPr>
+          <p:nvPr/>
+        </p:nvPicPr>
+        <p:blipFill>
+          <a:blip r:embed="rId2">
+            <a:extLst>
+              <a:ext uri="{28A0092B-C50C-407E-A947-70E740481C1C}">
+                <a14:useLocalDpi xmlns:a14="http://schemas.microsoft.com/office/drawing/2010/main" val="0"/>
+              </a:ext>
+            </a:extLst>
+          </a:blip>
+          <a:srcRect/>
+          <a:stretch>
+            <a:fillRect/>
+          </a:stretch>
+        </p:blipFill>
+        <p:spPr bwMode="auto">
+          <a:xfrm>
+            <a:off x="4114800" y="2782614"/>
+            <a:ext cx="4362450" cy="3008586"/>
+          </a:xfrm>
+          <a:prstGeom prst="rect">
+            <a:avLst/>
+          </a:prstGeom>
+          <a:noFill/>
+          <a:extLst>
+            <a:ext uri="{909E8E84-426E-40DD-AFC4-6F175D3DCCD1}">
+              <a14:hiddenFill xmlns:a14="http://schemas.microsoft.com/office/drawing/2010/main">
+                <a:solidFill>
+                  <a:srgbClr val="FFFFFF"/>
+                </a:solidFill>
+              </a14:hiddenFill>
+            </a:ext>
+          </a:extLst>
+        </p:spPr>
+      </p:pic>
+      <p:pic>
+        <p:nvPicPr>
+          <p:cNvPr id="1030" name="Picture 6" descr="angularjs-routing-view-controller"/>
+          <p:cNvPicPr>
+            <a:picLocks noChangeAspect="1" noChangeArrowheads="1"/>
+          </p:cNvPicPr>
+          <p:nvPr/>
+        </p:nvPicPr>
+        <p:blipFill>
+          <a:blip r:embed="rId3">
+            <a:extLst>
+              <a:ext uri="{28A0092B-C50C-407E-A947-70E740481C1C}">
+                <a14:useLocalDpi xmlns:a14="http://schemas.microsoft.com/office/drawing/2010/main" val="0"/>
+              </a:ext>
+            </a:extLst>
+          </a:blip>
+          <a:srcRect/>
+          <a:stretch>
+            <a:fillRect/>
+          </a:stretch>
+        </p:blipFill>
+        <p:spPr bwMode="auto">
+          <a:xfrm>
+            <a:off x="1019175" y="3490255"/>
+            <a:ext cx="5486400" cy="1666875"/>
+          </a:xfrm>
+          <a:prstGeom prst="rect">
+            <a:avLst/>
+          </a:prstGeom>
+          <a:noFill/>
+          <a:extLst>
+            <a:ext uri="{909E8E84-426E-40DD-AFC4-6F175D3DCCD1}">
+              <a14:hiddenFill xmlns:a14="http://schemas.microsoft.com/office/drawing/2010/main">
+                <a:solidFill>
+                  <a:srgbClr val="FFFFFF"/>
+                </a:solidFill>
+              </a14:hiddenFill>
+            </a:ext>
+          </a:extLst>
+        </p:spPr>
+      </p:pic>
     </p:spTree>
     <p:extLst>
       <p:ext uri="{BB962C8B-B14F-4D97-AF65-F5344CB8AC3E}">
@@ -2908,7 +3131,11 @@
           <a:p>
             <a:r>
               <a:rPr lang="en-US" dirty="0" smtClean="0"/>
-              <a:t>Route Provider</a:t>
+              <a:t>$</a:t>
+            </a:r>
+            <a:r>
+              <a:rPr lang="en-US" dirty="0" err="1" smtClean="0"/>
+              <a:t>routeProvider</a:t>
             </a:r>
             <a:endParaRPr lang="en-US" dirty="0"/>
           </a:p>
@@ -2929,10 +3156,90 @@
           <a:bodyPr/>
           <a:lstStyle/>
           <a:p>
-            <a:endParaRPr lang="en-US"/>
+            <a:r>
+              <a:rPr lang="en-US" dirty="0" smtClean="0"/>
+              <a:t>From the </a:t>
+            </a:r>
+            <a:r>
+              <a:rPr lang="en-US" dirty="0" err="1" smtClean="0"/>
+              <a:t>ngRoute</a:t>
+            </a:r>
+            <a:r>
+              <a:rPr lang="en-US" dirty="0" smtClean="0"/>
+              <a:t> module (angular-route.js)</a:t>
+            </a:r>
+          </a:p>
+          <a:p>
+            <a:pPr lvl="1"/>
+            <a:r>
+              <a:rPr lang="en-US" dirty="0" smtClean="0"/>
+              <a:t>w</a:t>
+            </a:r>
+            <a:r>
+              <a:rPr lang="en-US" dirty="0" smtClean="0"/>
+              <a:t>hen</a:t>
+            </a:r>
+          </a:p>
+          <a:p>
+            <a:pPr lvl="1"/>
+            <a:r>
+              <a:rPr lang="en-US" dirty="0" smtClean="0"/>
+              <a:t>otherwise</a:t>
+            </a:r>
+            <a:endParaRPr lang="en-US" dirty="0" smtClean="0"/>
+          </a:p>
+          <a:p>
+            <a:pPr lvl="1"/>
+            <a:endParaRPr lang="en-US" dirty="0"/>
           </a:p>
         </p:txBody>
       </p:sp>
+      <p:pic>
+        <p:nvPicPr>
+          <p:cNvPr id="4" name="Picture 3"/>
+          <p:cNvPicPr>
+            <a:picLocks noChangeAspect="1"/>
+          </p:cNvPicPr>
+          <p:nvPr/>
+        </p:nvPicPr>
+        <p:blipFill>
+          <a:blip r:embed="rId2">
+            <a:extLst>
+              <a:ext uri="{BEBA8EAE-BF5A-486C-A8C5-ECC9F3942E4B}">
+                <a14:imgProps xmlns:a14="http://schemas.microsoft.com/office/drawing/2010/main">
+                  <a14:imgLayer r:embed="rId3">
+                    <a14:imgEffect>
+                      <a14:colorTemperature colorTemp="11200"/>
+                    </a14:imgEffect>
+                  </a14:imgLayer>
+                </a14:imgProps>
+              </a:ext>
+            </a:extLst>
+          </a:blip>
+          <a:stretch>
+            <a:fillRect/>
+          </a:stretch>
+        </p:blipFill>
+        <p:spPr>
+          <a:xfrm>
+            <a:off x="1528762" y="2895600"/>
+            <a:ext cx="6086475" cy="3429000"/>
+          </a:xfrm>
+          <a:prstGeom prst="rect">
+            <a:avLst/>
+          </a:prstGeom>
+          <a:ln>
+            <a:noFill/>
+          </a:ln>
+          <a:effectLst>
+            <a:outerShdw blurRad="292100" dist="139700" dir="2700000" algn="tl" rotWithShape="0">
+              <a:srgbClr val="333333">
+                <a:alpha val="65000"/>
+              </a:srgbClr>
+            </a:outerShdw>
+          </a:effectLst>
+        </p:spPr>
+      </p:pic>
     </p:spTree>
     <p:extLst>
       <p:ext uri="{BB962C8B-B14F-4D97-AF65-F5344CB8AC3E}">
@@ -2983,7 +3290,7 @@
           <a:p>
             <a:r>
               <a:rPr lang="en-US" dirty="0" smtClean="0"/>
-              <a:t>Routing Navigation</a:t>
+              <a:t>Path</a:t>
             </a:r>
             <a:endParaRPr lang="en-US" dirty="0"/>
           </a:p>
@@ -3004,14 +3311,59 @@
           <a:bodyPr/>
           <a:lstStyle/>
           <a:p>
-            <a:endParaRPr lang="en-US"/>
+            <a:r>
+              <a:rPr lang="en-US" dirty="0" smtClean="0"/>
+              <a:t>Can contain named groups (:id)</a:t>
+            </a:r>
+          </a:p>
+          <a:p>
+            <a:pPr lvl="1"/>
+            <a:r>
+              <a:rPr lang="en-US" dirty="0" smtClean="0"/>
+              <a:t>Will be store in $</a:t>
+            </a:r>
+            <a:r>
+              <a:rPr lang="en-US" dirty="0" err="1" smtClean="0"/>
+              <a:t>routeParams</a:t>
+            </a:r>
+            <a:endParaRPr lang="en-US" dirty="0" smtClean="0"/>
+          </a:p>
+          <a:p>
+            <a:r>
+              <a:rPr lang="en-US" dirty="0" smtClean="0"/>
+              <a:t>Can use greedy groups</a:t>
+            </a:r>
+          </a:p>
+          <a:p>
+            <a:pPr lvl="1"/>
+            <a:r>
+              <a:rPr lang="en-US" dirty="0"/>
+              <a:t>/color/:color/</a:t>
+            </a:r>
+            <a:r>
+              <a:rPr lang="en-US" dirty="0" err="1"/>
+              <a:t>largecode</a:t>
+            </a:r>
+            <a:r>
+              <a:rPr lang="en-US" dirty="0"/>
+              <a:t>/:</a:t>
+            </a:r>
+            <a:r>
+              <a:rPr lang="en-US" dirty="0" err="1"/>
+              <a:t>largecode</a:t>
+            </a:r>
+            <a:r>
+              <a:rPr lang="en-US" dirty="0"/>
+              <a:t>*\/edit</a:t>
+            </a:r>
+            <a:endParaRPr lang="en-US" dirty="0"/>
           </a:p>
         </p:txBody>
       </p:sp>
     </p:spTree>
     <p:extLst>
       <p:ext uri="{BB962C8B-B14F-4D97-AF65-F5344CB8AC3E}">
-        <p14:creationId xmlns:p14="http://schemas.microsoft.com/office/powerpoint/2010/main" val="3557183416"/>
+        <p14:creationId xmlns:p14="http://schemas.microsoft.com/office/powerpoint/2010/main" val="321149308"/>
       </p:ext>
     </p:extLst>
   </p:cSld>
@@ -3058,7 +3410,11 @@
           <a:p>
             <a:r>
               <a:rPr lang="en-US" dirty="0" smtClean="0"/>
-              <a:t>Route Parameters</a:t>
+              <a:t>More $</a:t>
+            </a:r>
+            <a:r>
+              <a:rPr lang="en-US" dirty="0" err="1" smtClean="0"/>
+              <a:t>routeProvider</a:t>
             </a:r>
             <a:endParaRPr lang="en-US" dirty="0"/>
           </a:p>
@@ -3079,14 +3435,81 @@
           <a:bodyPr/>
           <a:lstStyle/>
           <a:p>
-            <a:endParaRPr lang="en-US"/>
+            <a:r>
+              <a:rPr lang="en-US" dirty="0" smtClean="0"/>
+              <a:t>Controller is optional (can specify in the template)</a:t>
+            </a:r>
+          </a:p>
+          <a:p>
+            <a:r>
+              <a:rPr lang="en-US" dirty="0" smtClean="0"/>
+              <a:t>Specify template or </a:t>
+            </a:r>
+            <a:r>
+              <a:rPr lang="en-US" dirty="0" err="1" smtClean="0"/>
+              <a:t>templateUrl</a:t>
+            </a:r>
+            <a:endParaRPr lang="en-US" dirty="0" smtClean="0"/>
+          </a:p>
+          <a:p>
+            <a:r>
+              <a:rPr lang="en-US" dirty="0" smtClean="0"/>
+              <a:t>Can use resolve function to wait on promises</a:t>
+            </a:r>
+            <a:endParaRPr lang="en-US" dirty="0"/>
           </a:p>
         </p:txBody>
       </p:sp>
+      <p:pic>
+        <p:nvPicPr>
+          <p:cNvPr id="4" name="Picture 3"/>
+          <p:cNvPicPr>
+            <a:picLocks noChangeAspect="1"/>
+          </p:cNvPicPr>
+          <p:nvPr/>
+        </p:nvPicPr>
+        <p:blipFill>
+          <a:blip r:embed="rId2">
+            <a:extLst>
+              <a:ext uri="{BEBA8EAE-BF5A-486C-A8C5-ECC9F3942E4B}">
+                <a14:imgProps xmlns:a14="http://schemas.microsoft.com/office/drawing/2010/main">
+                  <a14:imgLayer r:embed="rId3">
+                    <a14:imgEffect>
+                      <a14:colorTemperature colorTemp="11200"/>
+                    </a14:imgEffect>
+                  </a14:imgLayer>
+                </a14:imgProps>
+              </a:ext>
+            </a:extLst>
+          </a:blip>
+          <a:stretch>
+            <a:fillRect/>
+          </a:stretch>
+        </p:blipFill>
+        <p:spPr>
+          <a:xfrm>
+            <a:off x="1528762" y="2895600"/>
+            <a:ext cx="6086475" cy="3429000"/>
+          </a:xfrm>
+          <a:prstGeom prst="rect">
+            <a:avLst/>
+          </a:prstGeom>
+          <a:ln>
+            <a:noFill/>
+          </a:ln>
+          <a:effectLst>
+            <a:outerShdw blurRad="292100" dist="139700" dir="2700000" algn="tl" rotWithShape="0">
+              <a:srgbClr val="333333">
+                <a:alpha val="65000"/>
+              </a:srgbClr>
+            </a:outerShdw>
+          </a:effectLst>
+        </p:spPr>
+      </p:pic>
     </p:spTree>
     <p:extLst>
       <p:ext uri="{BB962C8B-B14F-4D97-AF65-F5344CB8AC3E}">
-        <p14:creationId xmlns:p14="http://schemas.microsoft.com/office/powerpoint/2010/main" val="1448480168"/>
+        <p14:creationId xmlns:p14="http://schemas.microsoft.com/office/powerpoint/2010/main" val="228851691"/>
       </p:ext>
     </p:extLst>
   </p:cSld>
@@ -3132,8 +3555,8 @@
           <a:lstStyle/>
           <a:p>
             <a:r>
-              <a:rPr lang="en-US" dirty="0" smtClean="0"/>
-              <a:t>HTML 5 Routing</a:t>
+              <a:rPr lang="en-US" dirty="0" err="1" smtClean="0"/>
+              <a:t>ngView</a:t>
             </a:r>
             <a:endParaRPr lang="en-US" dirty="0"/>
           </a:p>
@@ -3154,14 +3577,64 @@
           <a:bodyPr/>
           <a:lstStyle/>
           <a:p>
-            <a:endParaRPr lang="en-US"/>
+            <a:r>
+              <a:rPr lang="en-US" dirty="0" smtClean="0"/>
+              <a:t>Includes rendered template of current route</a:t>
+            </a:r>
+            <a:endParaRPr lang="en-US" dirty="0"/>
           </a:p>
         </p:txBody>
       </p:sp>
+      <p:pic>
+        <p:nvPicPr>
+          <p:cNvPr id="5" name="Picture 4"/>
+          <p:cNvPicPr>
+            <a:picLocks noChangeAspect="1"/>
+          </p:cNvPicPr>
+          <p:nvPr/>
+        </p:nvPicPr>
+        <p:blipFill>
+          <a:blip r:embed="rId2">
+            <a:extLst>
+              <a:ext uri="{BEBA8EAE-BF5A-486C-A8C5-ECC9F3942E4B}">
+                <a14:imgProps xmlns:a14="http://schemas.microsoft.com/office/drawing/2010/main">
+                  <a14:imgLayer r:embed="rId3">
+                    <a14:imgEffect>
+                      <a14:colorTemperature colorTemp="11200"/>
+                    </a14:imgEffect>
+                  </a14:imgLayer>
+                </a14:imgProps>
+              </a:ext>
+            </a:extLst>
+          </a:blip>
+          <a:stretch>
+            <a:fillRect/>
+          </a:stretch>
+        </p:blipFill>
+        <p:spPr>
+          <a:xfrm>
+            <a:off x="2133600" y="2010813"/>
+            <a:ext cx="4876800" cy="4313787"/>
+          </a:xfrm>
+          <a:prstGeom prst="rect">
+            <a:avLst/>
+          </a:prstGeom>
+          <a:ln>
+            <a:noFill/>
+          </a:ln>
+          <a:effectLst>
+            <a:outerShdw blurRad="292100" dist="139700" dir="2700000" algn="tl" rotWithShape="0">
+              <a:srgbClr val="333333">
+                <a:alpha val="65000"/>
+              </a:srgbClr>
+            </a:outerShdw>
+          </a:effectLst>
+        </p:spPr>
+      </p:pic>
     </p:spTree>
     <p:extLst>
       <p:ext uri="{BB962C8B-B14F-4D97-AF65-F5344CB8AC3E}">
-        <p14:creationId xmlns:p14="http://schemas.microsoft.com/office/powerpoint/2010/main" val="1365323099"/>
+        <p14:creationId xmlns:p14="http://schemas.microsoft.com/office/powerpoint/2010/main" val="3663918203"/>
       </p:ext>
     </p:extLst>
   </p:cSld>
@@ -3208,7 +3681,11 @@
           <a:p>
             <a:r>
               <a:rPr lang="en-US" dirty="0" smtClean="0"/>
-              <a:t>Using a Default Route</a:t>
+              <a:t>Routing </a:t>
+            </a:r>
+            <a:r>
+              <a:rPr lang="en-US" dirty="0" smtClean="0"/>
+              <a:t>Events</a:t>
             </a:r>
             <a:endParaRPr lang="en-US" dirty="0"/>
           </a:p>
@@ -3229,14 +3706,112 @@
           <a:bodyPr/>
           <a:lstStyle/>
           <a:p>
-            <a:endParaRPr lang="en-US"/>
+            <a:r>
+              <a:rPr lang="en-US" dirty="0" smtClean="0"/>
+              <a:t>$</a:t>
+            </a:r>
+            <a:r>
+              <a:rPr lang="en-US" dirty="0" err="1" smtClean="0"/>
+              <a:t>routeChangeError</a:t>
+            </a:r>
+            <a:endParaRPr lang="en-US" dirty="0" smtClean="0"/>
+          </a:p>
+          <a:p>
+            <a:r>
+              <a:rPr lang="en-US" dirty="0" smtClean="0"/>
+              <a:t>$</a:t>
+            </a:r>
+            <a:r>
+              <a:rPr lang="en-US" dirty="0" err="1" smtClean="0"/>
+              <a:t>routeChangeStart</a:t>
+            </a:r>
+            <a:endParaRPr lang="en-US" dirty="0" smtClean="0"/>
+          </a:p>
+          <a:p>
+            <a:r>
+              <a:rPr lang="en-US" dirty="0" smtClean="0"/>
+              <a:t>$</a:t>
+            </a:r>
+            <a:r>
+              <a:rPr lang="en-US" dirty="0" err="1" smtClean="0"/>
+              <a:t>routeChangeSuccess</a:t>
+            </a:r>
+            <a:endParaRPr lang="en-US" dirty="0" smtClean="0"/>
+          </a:p>
+          <a:p>
+            <a:r>
+              <a:rPr lang="en-US" dirty="0" smtClean="0"/>
+              <a:t>$</a:t>
+            </a:r>
+            <a:r>
+              <a:rPr lang="en-US" dirty="0" err="1" smtClean="0"/>
+              <a:t>routeUpdate</a:t>
+            </a:r>
+            <a:endParaRPr lang="en-US" dirty="0" smtClean="0"/>
+          </a:p>
+          <a:p>
+            <a:r>
+              <a:rPr lang="en-US" dirty="0" smtClean="0"/>
+              <a:t>Also: $</a:t>
+            </a:r>
+            <a:r>
+              <a:rPr lang="en-US" dirty="0" err="1" smtClean="0"/>
+              <a:t>locationChangeStart</a:t>
+            </a:r>
+            <a:endParaRPr lang="en-US" dirty="0"/>
           </a:p>
         </p:txBody>
       </p:sp>
+      <p:pic>
+        <p:nvPicPr>
+          <p:cNvPr id="4" name="Picture 3"/>
+          <p:cNvPicPr>
+            <a:picLocks noChangeAspect="1"/>
+          </p:cNvPicPr>
+          <p:nvPr/>
+        </p:nvPicPr>
+        <p:blipFill>
+          <a:blip r:embed="rId2">
+            <a:extLst>
+              <a:ext uri="{BEBA8EAE-BF5A-486C-A8C5-ECC9F3942E4B}">
+                <a14:imgProps xmlns:a14="http://schemas.microsoft.com/office/drawing/2010/main">
+                  <a14:imgLayer r:embed="rId3">
+                    <a14:imgEffect>
+                      <a14:colorTemperature colorTemp="11200"/>
+                    </a14:imgEffect>
+                  </a14:imgLayer>
+                </a14:imgProps>
+              </a:ext>
+            </a:extLst>
+          </a:blip>
+          <a:stretch>
+            <a:fillRect/>
+          </a:stretch>
+        </p:blipFill>
+        <p:spPr>
+          <a:xfrm>
+            <a:off x="823912" y="3782961"/>
+            <a:ext cx="7496175" cy="2133600"/>
+          </a:xfrm>
+          <a:prstGeom prst="rect">
+            <a:avLst/>
+          </a:prstGeom>
+          <a:ln>
+            <a:noFill/>
+          </a:ln>
+          <a:effectLst>
+            <a:outerShdw blurRad="292100" dist="139700" dir="2700000" algn="tl" rotWithShape="0">
+              <a:srgbClr val="333333">
+                <a:alpha val="65000"/>
+              </a:srgbClr>
+            </a:outerShdw>
+          </a:effectLst>
+        </p:spPr>
+      </p:pic>
     </p:spTree>
     <p:extLst>
       <p:ext uri="{BB962C8B-B14F-4D97-AF65-F5344CB8AC3E}">
-        <p14:creationId xmlns:p14="http://schemas.microsoft.com/office/powerpoint/2010/main" val="1465048081"/>
+        <p14:creationId xmlns:p14="http://schemas.microsoft.com/office/powerpoint/2010/main" val="3557183416"/>
       </p:ext>
     </p:extLst>
   </p:cSld>
@@ -3283,7 +3858,7 @@
           <a:p>
             <a:r>
               <a:rPr lang="en-US" dirty="0" smtClean="0"/>
-              <a:t>$location</a:t>
+              <a:t>Route Parameters</a:t>
             </a:r>
             <a:endParaRPr lang="en-US" dirty="0"/>
           </a:p>
@@ -3304,14 +3879,68 @@
           <a:bodyPr/>
           <a:lstStyle/>
           <a:p>
-            <a:endParaRPr lang="en-US"/>
+            <a:r>
+              <a:rPr lang="en-US" dirty="0" smtClean="0"/>
+              <a:t>Can get to parameters using $</a:t>
+            </a:r>
+            <a:r>
+              <a:rPr lang="en-US" dirty="0" err="1" smtClean="0"/>
+              <a:t>routeParams</a:t>
+            </a:r>
+            <a:endParaRPr lang="en-US" dirty="0"/>
           </a:p>
         </p:txBody>
       </p:sp>
+      <p:pic>
+        <p:nvPicPr>
+          <p:cNvPr id="4" name="Picture 3"/>
+          <p:cNvPicPr>
+            <a:picLocks noChangeAspect="1"/>
+          </p:cNvPicPr>
+          <p:nvPr/>
+        </p:nvPicPr>
+        <p:blipFill>
+          <a:blip r:embed="rId2">
+            <a:extLst>
+              <a:ext uri="{BEBA8EAE-BF5A-486C-A8C5-ECC9F3942E4B}">
+                <a14:imgProps xmlns:a14="http://schemas.microsoft.com/office/drawing/2010/main">
+                  <a14:imgLayer r:embed="rId3">
+                    <a14:imgEffect>
+                      <a14:colorTemperature colorTemp="11200"/>
+                    </a14:imgEffect>
+                  </a14:imgLayer>
+                </a14:imgProps>
+              </a:ext>
+            </a:extLst>
+          </a:blip>
+          <a:stretch>
+            <a:fillRect/>
+          </a:stretch>
+        </p:blipFill>
+        <p:spPr>
+          <a:xfrm>
+            <a:off x="1104900" y="2705100"/>
+            <a:ext cx="6934200" cy="1447800"/>
+          </a:xfrm>
+          <a:prstGeom prst="rect">
+            <a:avLst/>
+          </a:prstGeom>
+          <a:ln>
+            <a:noFill/>
+          </a:ln>
+          <a:effectLst>
+            <a:outerShdw blurRad="292100" dist="139700" dir="2700000" algn="tl" rotWithShape="0">
+              <a:srgbClr val="333333">
+                <a:alpha val="65000"/>
+              </a:srgbClr>
+            </a:outerShdw>
+          </a:effectLst>
+        </p:spPr>
+      </p:pic>
     </p:spTree>
     <p:extLst>
       <p:ext uri="{BB962C8B-B14F-4D97-AF65-F5344CB8AC3E}">
-        <p14:creationId xmlns:p14="http://schemas.microsoft.com/office/powerpoint/2010/main" val="1067358107"/>
+        <p14:creationId xmlns:p14="http://schemas.microsoft.com/office/powerpoint/2010/main" val="1448480168"/>
       </p:ext>
     </p:extLst>
   </p:cSld>
@@ -3358,7 +3987,7 @@
           <a:p>
             <a:r>
               <a:rPr lang="en-US" dirty="0" smtClean="0"/>
-              <a:t>$route</a:t>
+              <a:t>HTML 5 Routing</a:t>
             </a:r>
             <a:endParaRPr lang="en-US" dirty="0"/>
           </a:p>
@@ -3379,14 +4008,70 @@
           <a:bodyPr/>
           <a:lstStyle/>
           <a:p>
-            <a:endParaRPr lang="en-US"/>
+            <a:r>
+              <a:rPr lang="en-US" dirty="0" smtClean="0"/>
+              <a:t>Remove # from URL</a:t>
+            </a:r>
+          </a:p>
+          <a:p>
+            <a:r>
+              <a:rPr lang="en-US" dirty="0" smtClean="0"/>
+              <a:t>Requires server side configuration</a:t>
+            </a:r>
+            <a:endParaRPr lang="en-US" dirty="0"/>
           </a:p>
         </p:txBody>
       </p:sp>
+      <p:pic>
+        <p:nvPicPr>
+          <p:cNvPr id="4" name="Picture 3"/>
+          <p:cNvPicPr>
+            <a:picLocks noChangeAspect="1"/>
+          </p:cNvPicPr>
+          <p:nvPr/>
+        </p:nvPicPr>
+        <p:blipFill>
+          <a:blip r:embed="rId2">
+            <a:extLst>
+              <a:ext uri="{BEBA8EAE-BF5A-486C-A8C5-ECC9F3942E4B}">
+                <a14:imgProps xmlns:a14="http://schemas.microsoft.com/office/drawing/2010/main">
+                  <a14:imgLayer r:embed="rId3">
+                    <a14:imgEffect>
+                      <a14:colorTemperature colorTemp="11200"/>
+                    </a14:imgEffect>
+                  </a14:imgLayer>
+                </a14:imgProps>
+              </a:ext>
+            </a:extLst>
+          </a:blip>
+          <a:stretch>
+            <a:fillRect/>
+          </a:stretch>
+        </p:blipFill>
+        <p:spPr>
+          <a:xfrm>
+            <a:off x="2743200" y="3200400"/>
+            <a:ext cx="3657600" cy="457200"/>
+          </a:xfrm>
+          <a:prstGeom prst="rect">
+            <a:avLst/>
+          </a:prstGeom>
+          <a:ln>
+            <a:noFill/>
+          </a:ln>
+          <a:effectLst>
+            <a:outerShdw blurRad="292100" dist="139700" dir="2700000" algn="tl" rotWithShape="0">
+              <a:srgbClr val="333333">
+                <a:alpha val="65000"/>
+              </a:srgbClr>
+            </a:outerShdw>
+          </a:effectLst>
+        </p:spPr>
+      </p:pic>
     </p:spTree>
     <p:extLst>
       <p:ext uri="{BB962C8B-B14F-4D97-AF65-F5344CB8AC3E}">
-        <p14:creationId xmlns:p14="http://schemas.microsoft.com/office/powerpoint/2010/main" val="1525705481"/>
+        <p14:creationId xmlns:p14="http://schemas.microsoft.com/office/powerpoint/2010/main" val="1365323099"/>
       </p:ext>
     </p:extLst>
   </p:cSld>
